--- a/src/main/resources/nccu/GUI.pptx
+++ b/src/main/resources/nccu/GUI.pptx
@@ -4389,7 +4389,7 @@
           <a:p>
             <a:fld id="{24B7A11C-0816-4FE9-9C9A-09DD9BDABF65}" type="datetimeFigureOut">
               <a:rPr lang="zh-TW" altLang="en-US" smtClean="0"/>
-              <a:t>2023/6/4</a:t>
+              <a:t>2023/6/12</a:t>
             </a:fld>
             <a:endParaRPr lang="zh-TW" altLang="en-US"/>
           </a:p>
@@ -4656,7 +4656,7 @@
           <a:p>
             <a:fld id="{24B7A11C-0816-4FE9-9C9A-09DD9BDABF65}" type="datetimeFigureOut">
               <a:rPr lang="zh-TW" altLang="en-US" smtClean="0"/>
-              <a:t>2023/6/4</a:t>
+              <a:t>2023/6/12</a:t>
             </a:fld>
             <a:endParaRPr lang="zh-TW" altLang="en-US"/>
           </a:p>
@@ -4852,7 +4852,7 @@
           <a:p>
             <a:fld id="{24B7A11C-0816-4FE9-9C9A-09DD9BDABF65}" type="datetimeFigureOut">
               <a:rPr lang="zh-TW" altLang="en-US" smtClean="0"/>
-              <a:t>2023/6/4</a:t>
+              <a:t>2023/6/12</a:t>
             </a:fld>
             <a:endParaRPr lang="zh-TW" altLang="en-US"/>
           </a:p>
@@ -5115,7 +5115,7 @@
           <a:p>
             <a:fld id="{24B7A11C-0816-4FE9-9C9A-09DD9BDABF65}" type="datetimeFigureOut">
               <a:rPr lang="zh-TW" altLang="en-US" smtClean="0"/>
-              <a:t>2023/6/4</a:t>
+              <a:t>2023/6/12</a:t>
             </a:fld>
             <a:endParaRPr lang="zh-TW" altLang="en-US"/>
           </a:p>
@@ -5549,7 +5549,7 @@
           <a:p>
             <a:fld id="{24B7A11C-0816-4FE9-9C9A-09DD9BDABF65}" type="datetimeFigureOut">
               <a:rPr lang="zh-TW" altLang="en-US" smtClean="0"/>
-              <a:t>2023/6/4</a:t>
+              <a:t>2023/6/12</a:t>
             </a:fld>
             <a:endParaRPr lang="zh-TW" altLang="en-US"/>
           </a:p>
@@ -6095,7 +6095,7 @@
           <a:p>
             <a:fld id="{24B7A11C-0816-4FE9-9C9A-09DD9BDABF65}" type="datetimeFigureOut">
               <a:rPr lang="zh-TW" altLang="en-US" smtClean="0"/>
-              <a:t>2023/6/4</a:t>
+              <a:t>2023/6/12</a:t>
             </a:fld>
             <a:endParaRPr lang="zh-TW" altLang="en-US"/>
           </a:p>
@@ -6815,7 +6815,7 @@
           <a:p>
             <a:fld id="{24B7A11C-0816-4FE9-9C9A-09DD9BDABF65}" type="datetimeFigureOut">
               <a:rPr lang="zh-TW" altLang="en-US" smtClean="0"/>
-              <a:t>2023/6/4</a:t>
+              <a:t>2023/6/12</a:t>
             </a:fld>
             <a:endParaRPr lang="zh-TW" altLang="en-US"/>
           </a:p>
@@ -6985,7 +6985,7 @@
           <a:p>
             <a:fld id="{24B7A11C-0816-4FE9-9C9A-09DD9BDABF65}" type="datetimeFigureOut">
               <a:rPr lang="zh-TW" altLang="en-US" smtClean="0"/>
-              <a:t>2023/6/4</a:t>
+              <a:t>2023/6/12</a:t>
             </a:fld>
             <a:endParaRPr lang="zh-TW" altLang="en-US"/>
           </a:p>
@@ -7165,7 +7165,7 @@
           <a:p>
             <a:fld id="{24B7A11C-0816-4FE9-9C9A-09DD9BDABF65}" type="datetimeFigureOut">
               <a:rPr lang="zh-TW" altLang="en-US" smtClean="0"/>
-              <a:t>2023/6/4</a:t>
+              <a:t>2023/6/12</a:t>
             </a:fld>
             <a:endParaRPr lang="zh-TW" altLang="en-US"/>
           </a:p>
@@ -7335,7 +7335,7 @@
           <a:p>
             <a:fld id="{24B7A11C-0816-4FE9-9C9A-09DD9BDABF65}" type="datetimeFigureOut">
               <a:rPr lang="zh-TW" altLang="en-US" smtClean="0"/>
-              <a:t>2023/6/4</a:t>
+              <a:t>2023/6/12</a:t>
             </a:fld>
             <a:endParaRPr lang="zh-TW" altLang="en-US"/>
           </a:p>
@@ -7585,7 +7585,7 @@
           <a:p>
             <a:fld id="{24B7A11C-0816-4FE9-9C9A-09DD9BDABF65}" type="datetimeFigureOut">
               <a:rPr lang="zh-TW" altLang="en-US" smtClean="0"/>
-              <a:t>2023/6/4</a:t>
+              <a:t>2023/6/12</a:t>
             </a:fld>
             <a:endParaRPr lang="zh-TW" altLang="en-US"/>
           </a:p>
@@ -7817,7 +7817,7 @@
           <a:p>
             <a:fld id="{24B7A11C-0816-4FE9-9C9A-09DD9BDABF65}" type="datetimeFigureOut">
               <a:rPr lang="zh-TW" altLang="en-US" smtClean="0"/>
-              <a:t>2023/6/4</a:t>
+              <a:t>2023/6/12</a:t>
             </a:fld>
             <a:endParaRPr lang="zh-TW" altLang="en-US"/>
           </a:p>
@@ -8198,7 +8198,7 @@
           <a:p>
             <a:fld id="{24B7A11C-0816-4FE9-9C9A-09DD9BDABF65}" type="datetimeFigureOut">
               <a:rPr lang="zh-TW" altLang="en-US" smtClean="0"/>
-              <a:t>2023/6/4</a:t>
+              <a:t>2023/6/12</a:t>
             </a:fld>
             <a:endParaRPr lang="zh-TW" altLang="en-US"/>
           </a:p>
@@ -8316,7 +8316,7 @@
           <a:p>
             <a:fld id="{24B7A11C-0816-4FE9-9C9A-09DD9BDABF65}" type="datetimeFigureOut">
               <a:rPr lang="zh-TW" altLang="en-US" smtClean="0"/>
-              <a:t>2023/6/4</a:t>
+              <a:t>2023/6/12</a:t>
             </a:fld>
             <a:endParaRPr lang="zh-TW" altLang="en-US"/>
           </a:p>
@@ -8411,7 +8411,7 @@
           <a:p>
             <a:fld id="{24B7A11C-0816-4FE9-9C9A-09DD9BDABF65}" type="datetimeFigureOut">
               <a:rPr lang="zh-TW" altLang="en-US" smtClean="0"/>
-              <a:t>2023/6/4</a:t>
+              <a:t>2023/6/12</a:t>
             </a:fld>
             <a:endParaRPr lang="zh-TW" altLang="en-US"/>
           </a:p>
@@ -8660,7 +8660,7 @@
           <a:p>
             <a:fld id="{24B7A11C-0816-4FE9-9C9A-09DD9BDABF65}" type="datetimeFigureOut">
               <a:rPr lang="zh-TW" altLang="en-US" smtClean="0"/>
-              <a:t>2023/6/4</a:t>
+              <a:t>2023/6/12</a:t>
             </a:fld>
             <a:endParaRPr lang="zh-TW" altLang="en-US"/>
           </a:p>
@@ -8940,7 +8940,7 @@
           <a:p>
             <a:fld id="{24B7A11C-0816-4FE9-9C9A-09DD9BDABF65}" type="datetimeFigureOut">
               <a:rPr lang="zh-TW" altLang="en-US" smtClean="0"/>
-              <a:t>2023/6/4</a:t>
+              <a:t>2023/6/12</a:t>
             </a:fld>
             <a:endParaRPr lang="zh-TW" altLang="en-US"/>
           </a:p>
@@ -12017,7 +12017,7 @@
           <a:p>
             <a:fld id="{24B7A11C-0816-4FE9-9C9A-09DD9BDABF65}" type="datetimeFigureOut">
               <a:rPr lang="zh-TW" altLang="en-US" smtClean="0"/>
-              <a:t>2023/6/4</a:t>
+              <a:t>2023/6/12</a:t>
             </a:fld>
             <a:endParaRPr lang="zh-TW" altLang="en-US"/>
           </a:p>
@@ -12459,7 +12459,7 @@
         </p:nvSpPr>
         <p:spPr>
           <a:xfrm>
-            <a:off x="4723497" y="0"/>
+            <a:off x="4843400" y="0"/>
             <a:ext cx="7468187" cy="6858000"/>
           </a:xfrm>
           <a:prstGeom prst="rect">
@@ -13463,7 +13463,7 @@
         <p:spPr>
           <a:xfrm>
             <a:off x="5439564" y="6159284"/>
-            <a:ext cx="5218911" cy="0"/>
+            <a:ext cx="5423508" cy="0"/>
           </a:xfrm>
           <a:prstGeom prst="line">
             <a:avLst/>
@@ -13506,7 +13506,7 @@
         </p:nvSpPr>
         <p:spPr>
           <a:xfrm>
-            <a:off x="10881434" y="3147874"/>
+            <a:off x="10997527" y="3147874"/>
             <a:ext cx="497841" cy="506730"/>
           </a:xfrm>
           <a:prstGeom prst="flowChartConnector">
@@ -13585,7 +13585,7 @@
         </p:blipFill>
         <p:spPr>
           <a:xfrm>
-            <a:off x="10932396" y="3216105"/>
+            <a:off x="11048489" y="3216105"/>
             <a:ext cx="406239" cy="406239"/>
           </a:xfrm>
           <a:prstGeom prst="rect">
@@ -13607,7 +13607,7 @@
         </p:nvSpPr>
         <p:spPr>
           <a:xfrm>
-            <a:off x="10882439" y="6058573"/>
+            <a:off x="10992765" y="6053574"/>
             <a:ext cx="497841" cy="506730"/>
           </a:xfrm>
           <a:prstGeom prst="flowChartConnector">
@@ -13686,210 +13686,8 @@
         </p:blipFill>
         <p:spPr>
           <a:xfrm>
-            <a:off x="10877371" y="6092015"/>
+            <a:off x="10987697" y="6087016"/>
             <a:ext cx="452038" cy="452038"/>
-          </a:xfrm>
-          <a:prstGeom prst="rect">
-            <a:avLst/>
-          </a:prstGeom>
-        </p:spPr>
-      </p:pic>
-      <p:sp>
-        <p:nvSpPr>
-          <p:cNvPr id="26" name="矩形: 圓角化單一角落 25">
-            <a:extLst>
-              <a:ext uri="{FF2B5EF4-FFF2-40B4-BE49-F238E27FC236}">
-                <a16:creationId xmlns:a16="http://schemas.microsoft.com/office/drawing/2014/main" id="{B6F5389E-B5BB-44FA-8543-F7F36928D676}"/>
-              </a:ext>
-            </a:extLst>
-          </p:cNvPr>
-          <p:cNvSpPr/>
-          <p:nvPr/>
-        </p:nvSpPr>
-        <p:spPr>
-          <a:xfrm>
-            <a:off x="10891594" y="699611"/>
-            <a:ext cx="497841" cy="506730"/>
-          </a:xfrm>
-          <a:prstGeom prst="round1Rect">
-            <a:avLst/>
-          </a:prstGeom>
-          <a:solidFill>
-            <a:schemeClr val="bg2">
-              <a:lumMod val="40000"/>
-              <a:lumOff val="60000"/>
-            </a:schemeClr>
-          </a:solidFill>
-          <a:ln>
-            <a:noFill/>
-          </a:ln>
-          <a:effectLst>
-            <a:outerShdw blurRad="50800" dist="38100" dir="5400000" algn="t" rotWithShape="0">
-              <a:prstClr val="black">
-                <a:alpha val="40000"/>
-              </a:prstClr>
-            </a:outerShdw>
-          </a:effectLst>
-        </p:spPr>
-        <p:style>
-          <a:lnRef idx="2">
-            <a:schemeClr val="accent1">
-              <a:shade val="50000"/>
-            </a:schemeClr>
-          </a:lnRef>
-          <a:fillRef idx="1">
-            <a:schemeClr val="accent1"/>
-          </a:fillRef>
-          <a:effectRef idx="0">
-            <a:schemeClr val="accent1"/>
-          </a:effectRef>
-          <a:fontRef idx="minor">
-            <a:schemeClr val="lt1"/>
-          </a:fontRef>
-        </p:style>
-        <p:txBody>
-          <a:bodyPr rtlCol="0" anchor="ctr"/>
-          <a:lstStyle/>
-          <a:p>
-            <a:pPr algn="ctr"/>
-            <a:endParaRPr lang="zh-TW" altLang="en-US"/>
-          </a:p>
-        </p:txBody>
-      </p:sp>
-      <p:sp>
-        <p:nvSpPr>
-          <p:cNvPr id="29" name="矩形: 圓角 28">
-            <a:extLst>
-              <a:ext uri="{FF2B5EF4-FFF2-40B4-BE49-F238E27FC236}">
-                <a16:creationId xmlns:a16="http://schemas.microsoft.com/office/drawing/2014/main" id="{FC170A02-728E-4BFE-87D9-F192D2F6FCA7}"/>
-              </a:ext>
-            </a:extLst>
-          </p:cNvPr>
-          <p:cNvSpPr/>
-          <p:nvPr/>
-        </p:nvSpPr>
-        <p:spPr>
-          <a:xfrm>
-            <a:off x="10880493" y="4684223"/>
-            <a:ext cx="497841" cy="506730"/>
-          </a:xfrm>
-          <a:prstGeom prst="roundRect">
-            <a:avLst/>
-          </a:prstGeom>
-          <a:solidFill>
-            <a:schemeClr val="bg2">
-              <a:lumMod val="40000"/>
-              <a:lumOff val="60000"/>
-            </a:schemeClr>
-          </a:solidFill>
-          <a:ln>
-            <a:noFill/>
-          </a:ln>
-          <a:effectLst>
-            <a:outerShdw blurRad="50800" dist="38100" dir="5400000" algn="t" rotWithShape="0">
-              <a:prstClr val="black">
-                <a:alpha val="40000"/>
-              </a:prstClr>
-            </a:outerShdw>
-          </a:effectLst>
-        </p:spPr>
-        <p:style>
-          <a:lnRef idx="2">
-            <a:schemeClr val="accent1">
-              <a:shade val="50000"/>
-            </a:schemeClr>
-          </a:lnRef>
-          <a:fillRef idx="1">
-            <a:schemeClr val="accent1"/>
-          </a:fillRef>
-          <a:effectRef idx="0">
-            <a:schemeClr val="accent1"/>
-          </a:effectRef>
-          <a:fontRef idx="minor">
-            <a:schemeClr val="lt1"/>
-          </a:fontRef>
-        </p:style>
-        <p:txBody>
-          <a:bodyPr rtlCol="0" anchor="ctr"/>
-          <a:lstStyle/>
-          <a:p>
-            <a:pPr algn="ctr"/>
-            <a:endParaRPr lang="zh-TW" altLang="en-US"/>
-          </a:p>
-        </p:txBody>
-      </p:sp>
-      <p:pic>
-        <p:nvPicPr>
-          <p:cNvPr id="3" name="圖形 2" descr="＞形箭號 以實心填滿">
-            <a:extLst>
-              <a:ext uri="{FF2B5EF4-FFF2-40B4-BE49-F238E27FC236}">
-                <a16:creationId xmlns:a16="http://schemas.microsoft.com/office/drawing/2014/main" id="{D593B7FC-88CC-4BAA-9FED-DF3C07E8FAD8}"/>
-              </a:ext>
-            </a:extLst>
-          </p:cNvPr>
-          <p:cNvPicPr>
-            <a:picLocks noChangeAspect="1"/>
-          </p:cNvPicPr>
-          <p:nvPr/>
-        </p:nvPicPr>
-        <p:blipFill>
-          <a:blip r:embed="rId8">
-            <a:extLst>
-              <a:ext uri="{28A0092B-C50C-407E-A947-70E740481C1C}">
-                <a14:useLocalDpi xmlns:a14="http://schemas.microsoft.com/office/drawing/2010/main" val="0"/>
-              </a:ext>
-              <a:ext uri="{96DAC541-7B7A-43D3-8B79-37D633B846F1}">
-                <asvg:svgBlip xmlns:asvg="http://schemas.microsoft.com/office/drawing/2016/SVG/main" r:embed="rId9"/>
-              </a:ext>
-            </a:extLst>
-          </a:blip>
-          <a:stretch>
-            <a:fillRect/>
-          </a:stretch>
-        </p:blipFill>
-        <p:spPr>
-          <a:xfrm>
-            <a:off x="10915047" y="755957"/>
-            <a:ext cx="430614" cy="430614"/>
-          </a:xfrm>
-          <a:prstGeom prst="rect">
-            <a:avLst/>
-          </a:prstGeom>
-        </p:spPr>
-      </p:pic>
-      <p:pic>
-        <p:nvPicPr>
-          <p:cNvPr id="6" name="圖形 5" descr="聊天泡泡 以實心填滿">
-            <a:extLst>
-              <a:ext uri="{FF2B5EF4-FFF2-40B4-BE49-F238E27FC236}">
-                <a16:creationId xmlns:a16="http://schemas.microsoft.com/office/drawing/2014/main" id="{ACB05D11-3E6E-42F2-AB3A-81B5F261D8B5}"/>
-              </a:ext>
-            </a:extLst>
-          </p:cNvPr>
-          <p:cNvPicPr>
-            <a:picLocks noChangeAspect="1"/>
-          </p:cNvPicPr>
-          <p:nvPr/>
-        </p:nvPicPr>
-        <p:blipFill>
-          <a:blip r:embed="rId10">
-            <a:extLst>
-              <a:ext uri="{28A0092B-C50C-407E-A947-70E740481C1C}">
-                <a14:useLocalDpi xmlns:a14="http://schemas.microsoft.com/office/drawing/2010/main" val="0"/>
-              </a:ext>
-              <a:ext uri="{96DAC541-7B7A-43D3-8B79-37D633B846F1}">
-                <asvg:svgBlip xmlns:asvg="http://schemas.microsoft.com/office/drawing/2016/SVG/main" r:embed="rId11"/>
-              </a:ext>
-            </a:extLst>
-          </a:blip>
-          <a:stretch>
-            <a:fillRect/>
-          </a:stretch>
-        </p:blipFill>
-        <p:spPr>
-          <a:xfrm>
-            <a:off x="10871604" y="4704543"/>
-            <a:ext cx="506730" cy="506730"/>
           </a:xfrm>
           <a:prstGeom prst="rect">
             <a:avLst/>
@@ -13955,6 +13753,208 @@
           </a:p>
         </p:txBody>
       </p:sp>
+      <p:sp>
+        <p:nvSpPr>
+          <p:cNvPr id="28" name="流程圖: 接點 27">
+            <a:extLst>
+              <a:ext uri="{FF2B5EF4-FFF2-40B4-BE49-F238E27FC236}">
+                <a16:creationId xmlns:a16="http://schemas.microsoft.com/office/drawing/2014/main" id="{E55DD134-B398-4FF8-8241-D0F4B3EF10DF}"/>
+              </a:ext>
+            </a:extLst>
+          </p:cNvPr>
+          <p:cNvSpPr/>
+          <p:nvPr/>
+        </p:nvSpPr>
+        <p:spPr>
+          <a:xfrm>
+            <a:off x="10987697" y="699611"/>
+            <a:ext cx="497841" cy="506730"/>
+          </a:xfrm>
+          <a:prstGeom prst="flowChartConnector">
+            <a:avLst/>
+          </a:prstGeom>
+          <a:solidFill>
+            <a:schemeClr val="bg2">
+              <a:lumMod val="40000"/>
+              <a:lumOff val="60000"/>
+            </a:schemeClr>
+          </a:solidFill>
+          <a:ln>
+            <a:noFill/>
+          </a:ln>
+          <a:effectLst>
+            <a:outerShdw blurRad="50800" dist="38100" dir="5400000" algn="t" rotWithShape="0">
+              <a:prstClr val="black">
+                <a:alpha val="40000"/>
+              </a:prstClr>
+            </a:outerShdw>
+          </a:effectLst>
+        </p:spPr>
+        <p:style>
+          <a:lnRef idx="2">
+            <a:schemeClr val="accent1">
+              <a:shade val="50000"/>
+            </a:schemeClr>
+          </a:lnRef>
+          <a:fillRef idx="1">
+            <a:schemeClr val="accent1"/>
+          </a:fillRef>
+          <a:effectRef idx="0">
+            <a:schemeClr val="accent1"/>
+          </a:effectRef>
+          <a:fontRef idx="minor">
+            <a:schemeClr val="lt1"/>
+          </a:fontRef>
+        </p:style>
+        <p:txBody>
+          <a:bodyPr rtlCol="0" anchor="ctr"/>
+          <a:lstStyle/>
+          <a:p>
+            <a:pPr algn="ctr"/>
+            <a:endParaRPr lang="zh-TW" altLang="en-US" dirty="0"/>
+          </a:p>
+        </p:txBody>
+      </p:sp>
+      <p:sp>
+        <p:nvSpPr>
+          <p:cNvPr id="31" name="流程圖: 接點 30">
+            <a:extLst>
+              <a:ext uri="{FF2B5EF4-FFF2-40B4-BE49-F238E27FC236}">
+                <a16:creationId xmlns:a16="http://schemas.microsoft.com/office/drawing/2014/main" id="{8A68B291-5ACA-43F2-A360-98FF1E304BDF}"/>
+              </a:ext>
+            </a:extLst>
+          </p:cNvPr>
+          <p:cNvSpPr/>
+          <p:nvPr/>
+        </p:nvSpPr>
+        <p:spPr>
+          <a:xfrm>
+            <a:off x="11012214" y="4637309"/>
+            <a:ext cx="497841" cy="506730"/>
+          </a:xfrm>
+          <a:prstGeom prst="flowChartConnector">
+            <a:avLst/>
+          </a:prstGeom>
+          <a:solidFill>
+            <a:schemeClr val="bg2">
+              <a:lumMod val="40000"/>
+              <a:lumOff val="60000"/>
+            </a:schemeClr>
+          </a:solidFill>
+          <a:ln>
+            <a:noFill/>
+          </a:ln>
+          <a:effectLst>
+            <a:outerShdw blurRad="50800" dist="38100" dir="5400000" algn="t" rotWithShape="0">
+              <a:prstClr val="black">
+                <a:alpha val="40000"/>
+              </a:prstClr>
+            </a:outerShdw>
+          </a:effectLst>
+        </p:spPr>
+        <p:style>
+          <a:lnRef idx="2">
+            <a:schemeClr val="accent1">
+              <a:shade val="50000"/>
+            </a:schemeClr>
+          </a:lnRef>
+          <a:fillRef idx="1">
+            <a:schemeClr val="accent1"/>
+          </a:fillRef>
+          <a:effectRef idx="0">
+            <a:schemeClr val="accent1"/>
+          </a:effectRef>
+          <a:fontRef idx="minor">
+            <a:schemeClr val="lt1"/>
+          </a:fontRef>
+        </p:style>
+        <p:txBody>
+          <a:bodyPr rtlCol="0" anchor="ctr"/>
+          <a:lstStyle/>
+          <a:p>
+            <a:pPr algn="ctr"/>
+            <a:endParaRPr lang="zh-TW" altLang="en-US"/>
+          </a:p>
+        </p:txBody>
+      </p:sp>
+      <p:pic>
+        <p:nvPicPr>
+          <p:cNvPr id="6" name="圖形 5" descr="聊天泡泡 以實心填滿">
+            <a:extLst>
+              <a:ext uri="{FF2B5EF4-FFF2-40B4-BE49-F238E27FC236}">
+                <a16:creationId xmlns:a16="http://schemas.microsoft.com/office/drawing/2014/main" id="{ACB05D11-3E6E-42F2-AB3A-81B5F261D8B5}"/>
+              </a:ext>
+            </a:extLst>
+          </p:cNvPr>
+          <p:cNvPicPr>
+            <a:picLocks noChangeAspect="1"/>
+          </p:cNvPicPr>
+          <p:nvPr/>
+        </p:nvPicPr>
+        <p:blipFill>
+          <a:blip r:embed="rId8">
+            <a:extLst>
+              <a:ext uri="{28A0092B-C50C-407E-A947-70E740481C1C}">
+                <a14:useLocalDpi xmlns:a14="http://schemas.microsoft.com/office/drawing/2010/main" val="0"/>
+              </a:ext>
+              <a:ext uri="{96DAC541-7B7A-43D3-8B79-37D633B846F1}">
+                <asvg:svgBlip xmlns:asvg="http://schemas.microsoft.com/office/drawing/2016/SVG/main" r:embed="rId9"/>
+              </a:ext>
+            </a:extLst>
+          </a:blip>
+          <a:stretch>
+            <a:fillRect/>
+          </a:stretch>
+        </p:blipFill>
+        <p:spPr>
+          <a:xfrm>
+            <a:off x="11031140" y="4693057"/>
+            <a:ext cx="466009" cy="466009"/>
+          </a:xfrm>
+          <a:prstGeom prst="rect">
+            <a:avLst/>
+          </a:prstGeom>
+        </p:spPr>
+      </p:pic>
+      <p:pic>
+        <p:nvPicPr>
+          <p:cNvPr id="3" name="圖形 2" descr="＞形箭號 以實心填滿">
+            <a:extLst>
+              <a:ext uri="{FF2B5EF4-FFF2-40B4-BE49-F238E27FC236}">
+                <a16:creationId xmlns:a16="http://schemas.microsoft.com/office/drawing/2014/main" id="{D593B7FC-88CC-4BAA-9FED-DF3C07E8FAD8}"/>
+              </a:ext>
+            </a:extLst>
+          </p:cNvPr>
+          <p:cNvPicPr>
+            <a:picLocks noChangeAspect="1"/>
+          </p:cNvPicPr>
+          <p:nvPr/>
+        </p:nvPicPr>
+        <p:blipFill>
+          <a:blip r:embed="rId10">
+            <a:extLst>
+              <a:ext uri="{28A0092B-C50C-407E-A947-70E740481C1C}">
+                <a14:useLocalDpi xmlns:a14="http://schemas.microsoft.com/office/drawing/2010/main" val="0"/>
+              </a:ext>
+              <a:ext uri="{96DAC541-7B7A-43D3-8B79-37D633B846F1}">
+                <asvg:svgBlip xmlns:asvg="http://schemas.microsoft.com/office/drawing/2016/SVG/main" r:embed="rId11"/>
+              </a:ext>
+            </a:extLst>
+          </a:blip>
+          <a:stretch>
+            <a:fillRect/>
+          </a:stretch>
+        </p:blipFill>
+        <p:spPr>
+          <a:xfrm>
+            <a:off x="11031140" y="755957"/>
+            <a:ext cx="430614" cy="430614"/>
+          </a:xfrm>
+          <a:prstGeom prst="rect">
+            <a:avLst/>
+          </a:prstGeom>
+        </p:spPr>
+      </p:pic>
     </p:spTree>
     <p:extLst>
       <p:ext uri="{BB962C8B-B14F-4D97-AF65-F5344CB8AC3E}">
@@ -14391,208 +14391,6 @@
           </a:p>
         </p:txBody>
       </p:sp>
-      <p:sp>
-        <p:nvSpPr>
-          <p:cNvPr id="28" name="矩形: 圓角化單一角落 27">
-            <a:extLst>
-              <a:ext uri="{FF2B5EF4-FFF2-40B4-BE49-F238E27FC236}">
-                <a16:creationId xmlns:a16="http://schemas.microsoft.com/office/drawing/2014/main" id="{F7E895B7-0907-4B03-B199-92EE665385A6}"/>
-              </a:ext>
-            </a:extLst>
-          </p:cNvPr>
-          <p:cNvSpPr/>
-          <p:nvPr/>
-        </p:nvSpPr>
-        <p:spPr>
-          <a:xfrm rot="10800000">
-            <a:off x="518234" y="6000599"/>
-            <a:ext cx="497841" cy="506730"/>
-          </a:xfrm>
-          <a:prstGeom prst="round1Rect">
-            <a:avLst/>
-          </a:prstGeom>
-          <a:solidFill>
-            <a:schemeClr val="bg2">
-              <a:lumMod val="40000"/>
-              <a:lumOff val="60000"/>
-            </a:schemeClr>
-          </a:solidFill>
-          <a:ln>
-            <a:noFill/>
-          </a:ln>
-          <a:effectLst>
-            <a:outerShdw blurRad="50800" dist="38100" dir="5400000" algn="t" rotWithShape="0">
-              <a:prstClr val="black">
-                <a:alpha val="40000"/>
-              </a:prstClr>
-            </a:outerShdw>
-          </a:effectLst>
-        </p:spPr>
-        <p:style>
-          <a:lnRef idx="2">
-            <a:schemeClr val="accent1">
-              <a:shade val="50000"/>
-            </a:schemeClr>
-          </a:lnRef>
-          <a:fillRef idx="1">
-            <a:schemeClr val="accent1"/>
-          </a:fillRef>
-          <a:effectRef idx="0">
-            <a:schemeClr val="accent1"/>
-          </a:effectRef>
-          <a:fontRef idx="minor">
-            <a:schemeClr val="lt1"/>
-          </a:fontRef>
-        </p:style>
-        <p:txBody>
-          <a:bodyPr rtlCol="0" anchor="ctr"/>
-          <a:lstStyle/>
-          <a:p>
-            <a:pPr algn="ctr"/>
-            <a:endParaRPr lang="zh-TW" altLang="en-US"/>
-          </a:p>
-        </p:txBody>
-      </p:sp>
-      <p:pic>
-        <p:nvPicPr>
-          <p:cNvPr id="31" name="圖形 30" descr="＞形箭號 以實心填滿">
-            <a:extLst>
-              <a:ext uri="{FF2B5EF4-FFF2-40B4-BE49-F238E27FC236}">
-                <a16:creationId xmlns:a16="http://schemas.microsoft.com/office/drawing/2014/main" id="{E08F9DDC-9A76-4EF0-9ADD-BD503833A4D0}"/>
-              </a:ext>
-            </a:extLst>
-          </p:cNvPr>
-          <p:cNvPicPr>
-            <a:picLocks noChangeAspect="1"/>
-          </p:cNvPicPr>
-          <p:nvPr/>
-        </p:nvPicPr>
-        <p:blipFill>
-          <a:blip r:embed="rId2">
-            <a:extLst>
-              <a:ext uri="{28A0092B-C50C-407E-A947-70E740481C1C}">
-                <a14:useLocalDpi xmlns:a14="http://schemas.microsoft.com/office/drawing/2010/main" val="0"/>
-              </a:ext>
-              <a:ext uri="{96DAC541-7B7A-43D3-8B79-37D633B846F1}">
-                <asvg:svgBlip xmlns:asvg="http://schemas.microsoft.com/office/drawing/2016/SVG/main" r:embed="rId3"/>
-              </a:ext>
-            </a:extLst>
-          </a:blip>
-          <a:stretch>
-            <a:fillRect/>
-          </a:stretch>
-        </p:blipFill>
-        <p:spPr>
-          <a:xfrm rot="10800000">
-            <a:off x="559975" y="6056945"/>
-            <a:ext cx="430614" cy="430614"/>
-          </a:xfrm>
-          <a:prstGeom prst="rect">
-            <a:avLst/>
-          </a:prstGeom>
-        </p:spPr>
-      </p:pic>
-      <p:sp>
-        <p:nvSpPr>
-          <p:cNvPr id="34" name="矩形: 圓角化單一角落 33">
-            <a:extLst>
-              <a:ext uri="{FF2B5EF4-FFF2-40B4-BE49-F238E27FC236}">
-                <a16:creationId xmlns:a16="http://schemas.microsoft.com/office/drawing/2014/main" id="{C0785400-9D48-4FF6-9AF5-E8D419FA70C1}"/>
-              </a:ext>
-            </a:extLst>
-          </p:cNvPr>
-          <p:cNvSpPr/>
-          <p:nvPr/>
-        </p:nvSpPr>
-        <p:spPr>
-          <a:xfrm rot="5400000">
-            <a:off x="6422484" y="5996155"/>
-            <a:ext cx="497841" cy="506730"/>
-          </a:xfrm>
-          <a:prstGeom prst="round1Rect">
-            <a:avLst/>
-          </a:prstGeom>
-          <a:solidFill>
-            <a:schemeClr val="bg2">
-              <a:lumMod val="40000"/>
-              <a:lumOff val="60000"/>
-            </a:schemeClr>
-          </a:solidFill>
-          <a:ln>
-            <a:noFill/>
-          </a:ln>
-          <a:effectLst>
-            <a:outerShdw blurRad="50800" dist="38100" dir="5400000" algn="t" rotWithShape="0">
-              <a:prstClr val="black">
-                <a:alpha val="40000"/>
-              </a:prstClr>
-            </a:outerShdw>
-          </a:effectLst>
-        </p:spPr>
-        <p:style>
-          <a:lnRef idx="2">
-            <a:schemeClr val="accent1">
-              <a:shade val="50000"/>
-            </a:schemeClr>
-          </a:lnRef>
-          <a:fillRef idx="1">
-            <a:schemeClr val="accent1"/>
-          </a:fillRef>
-          <a:effectRef idx="0">
-            <a:schemeClr val="accent1"/>
-          </a:effectRef>
-          <a:fontRef idx="minor">
-            <a:schemeClr val="lt1"/>
-          </a:fontRef>
-        </p:style>
-        <p:txBody>
-          <a:bodyPr rtlCol="0" anchor="ctr"/>
-          <a:lstStyle/>
-          <a:p>
-            <a:pPr algn="ctr"/>
-            <a:endParaRPr lang="zh-TW" altLang="en-US"/>
-          </a:p>
-        </p:txBody>
-      </p:sp>
-      <p:pic>
-        <p:nvPicPr>
-          <p:cNvPr id="5" name="圖形 4" descr="文件 以實心填滿">
-            <a:extLst>
-              <a:ext uri="{FF2B5EF4-FFF2-40B4-BE49-F238E27FC236}">
-                <a16:creationId xmlns:a16="http://schemas.microsoft.com/office/drawing/2014/main" id="{F558BFCF-95C1-4AAB-BD96-B3DBB1CEC39F}"/>
-              </a:ext>
-            </a:extLst>
-          </p:cNvPr>
-          <p:cNvPicPr>
-            <a:picLocks noChangeAspect="1"/>
-          </p:cNvPicPr>
-          <p:nvPr/>
-        </p:nvPicPr>
-        <p:blipFill>
-          <a:blip r:embed="rId4">
-            <a:extLst>
-              <a:ext uri="{28A0092B-C50C-407E-A947-70E740481C1C}">
-                <a14:useLocalDpi xmlns:a14="http://schemas.microsoft.com/office/drawing/2010/main" val="0"/>
-              </a:ext>
-              <a:ext uri="{96DAC541-7B7A-43D3-8B79-37D633B846F1}">
-                <asvg:svgBlip xmlns:asvg="http://schemas.microsoft.com/office/drawing/2016/SVG/main" r:embed="rId5"/>
-              </a:ext>
-            </a:extLst>
-          </a:blip>
-          <a:stretch>
-            <a:fillRect/>
-          </a:stretch>
-        </p:blipFill>
-        <p:spPr>
-          <a:xfrm>
-            <a:off x="6444334" y="6022450"/>
-            <a:ext cx="454139" cy="454139"/>
-          </a:xfrm>
-          <a:prstGeom prst="rect">
-            <a:avLst/>
-          </a:prstGeom>
-        </p:spPr>
-      </p:pic>
       <p:graphicFrame>
         <p:nvGraphicFramePr>
           <p:cNvPr id="38" name="表格 4">
@@ -16070,6 +15868,247 @@
           </a:p>
         </p:txBody>
       </p:sp>
+      <p:sp>
+        <p:nvSpPr>
+          <p:cNvPr id="12" name="流程圖: 接點 11">
+            <a:extLst>
+              <a:ext uri="{FF2B5EF4-FFF2-40B4-BE49-F238E27FC236}">
+                <a16:creationId xmlns:a16="http://schemas.microsoft.com/office/drawing/2014/main" id="{5831BFF8-71F7-4AA5-BC68-DD67C14F8D4E}"/>
+              </a:ext>
+            </a:extLst>
+          </p:cNvPr>
+          <p:cNvSpPr/>
+          <p:nvPr/>
+        </p:nvSpPr>
+        <p:spPr>
+          <a:xfrm>
+            <a:off x="526361" y="6010041"/>
+            <a:ext cx="497841" cy="506730"/>
+          </a:xfrm>
+          <a:prstGeom prst="flowChartConnector">
+            <a:avLst/>
+          </a:prstGeom>
+          <a:solidFill>
+            <a:schemeClr val="bg2">
+              <a:lumMod val="40000"/>
+              <a:lumOff val="60000"/>
+            </a:schemeClr>
+          </a:solidFill>
+          <a:ln>
+            <a:noFill/>
+          </a:ln>
+          <a:effectLst>
+            <a:outerShdw blurRad="50800" dist="38100" dir="5400000" algn="t" rotWithShape="0">
+              <a:prstClr val="black">
+                <a:alpha val="40000"/>
+              </a:prstClr>
+            </a:outerShdw>
+          </a:effectLst>
+        </p:spPr>
+        <p:style>
+          <a:lnRef idx="2">
+            <a:schemeClr val="accent1">
+              <a:shade val="50000"/>
+            </a:schemeClr>
+          </a:lnRef>
+          <a:fillRef idx="1">
+            <a:schemeClr val="accent1"/>
+          </a:fillRef>
+          <a:effectRef idx="0">
+            <a:schemeClr val="accent1"/>
+          </a:effectRef>
+          <a:fontRef idx="minor">
+            <a:schemeClr val="lt1"/>
+          </a:fontRef>
+        </p:style>
+        <p:txBody>
+          <a:bodyPr rtlCol="0" anchor="ctr"/>
+          <a:lstStyle/>
+          <a:p>
+            <a:pPr algn="ctr"/>
+            <a:endParaRPr lang="zh-TW" altLang="en-US"/>
+          </a:p>
+        </p:txBody>
+      </p:sp>
+      <p:pic>
+        <p:nvPicPr>
+          <p:cNvPr id="31" name="圖形 30" descr="＞形箭號 以實心填滿">
+            <a:extLst>
+              <a:ext uri="{FF2B5EF4-FFF2-40B4-BE49-F238E27FC236}">
+                <a16:creationId xmlns:a16="http://schemas.microsoft.com/office/drawing/2014/main" id="{E08F9DDC-9A76-4EF0-9ADD-BD503833A4D0}"/>
+              </a:ext>
+            </a:extLst>
+          </p:cNvPr>
+          <p:cNvPicPr>
+            <a:picLocks noChangeAspect="1"/>
+          </p:cNvPicPr>
+          <p:nvPr/>
+        </p:nvPicPr>
+        <p:blipFill>
+          <a:blip r:embed="rId2">
+            <a:extLst>
+              <a:ext uri="{28A0092B-C50C-407E-A947-70E740481C1C}">
+                <a14:useLocalDpi xmlns:a14="http://schemas.microsoft.com/office/drawing/2010/main" val="0"/>
+              </a:ext>
+              <a:ext uri="{96DAC541-7B7A-43D3-8B79-37D633B846F1}">
+                <asvg:svgBlip xmlns:asvg="http://schemas.microsoft.com/office/drawing/2016/SVG/main" r:embed="rId3"/>
+              </a:ext>
+            </a:extLst>
+          </a:blip>
+          <a:stretch>
+            <a:fillRect/>
+          </a:stretch>
+        </p:blipFill>
+        <p:spPr>
+          <a:xfrm rot="10800000">
+            <a:off x="559975" y="6056945"/>
+            <a:ext cx="430614" cy="430614"/>
+          </a:xfrm>
+          <a:prstGeom prst="rect">
+            <a:avLst/>
+          </a:prstGeom>
+        </p:spPr>
+      </p:pic>
+      <p:sp>
+        <p:nvSpPr>
+          <p:cNvPr id="13" name="流程圖: 接點 12">
+            <a:extLst>
+              <a:ext uri="{FF2B5EF4-FFF2-40B4-BE49-F238E27FC236}">
+                <a16:creationId xmlns:a16="http://schemas.microsoft.com/office/drawing/2014/main" id="{5EE4F475-7E9D-4323-9856-EC45655D167B}"/>
+              </a:ext>
+            </a:extLst>
+          </p:cNvPr>
+          <p:cNvSpPr/>
+          <p:nvPr/>
+        </p:nvSpPr>
+        <p:spPr>
+          <a:xfrm>
+            <a:off x="6422482" y="5993930"/>
+            <a:ext cx="497841" cy="506730"/>
+          </a:xfrm>
+          <a:prstGeom prst="flowChartConnector">
+            <a:avLst/>
+          </a:prstGeom>
+          <a:solidFill>
+            <a:schemeClr val="bg2">
+              <a:lumMod val="40000"/>
+              <a:lumOff val="60000"/>
+            </a:schemeClr>
+          </a:solidFill>
+          <a:ln>
+            <a:noFill/>
+          </a:ln>
+          <a:effectLst>
+            <a:outerShdw blurRad="50800" dist="38100" dir="5400000" algn="t" rotWithShape="0">
+              <a:prstClr val="black">
+                <a:alpha val="40000"/>
+              </a:prstClr>
+            </a:outerShdw>
+          </a:effectLst>
+        </p:spPr>
+        <p:style>
+          <a:lnRef idx="2">
+            <a:schemeClr val="accent1">
+              <a:shade val="50000"/>
+            </a:schemeClr>
+          </a:lnRef>
+          <a:fillRef idx="1">
+            <a:schemeClr val="accent1"/>
+          </a:fillRef>
+          <a:effectRef idx="0">
+            <a:schemeClr val="accent1"/>
+          </a:effectRef>
+          <a:fontRef idx="minor">
+            <a:schemeClr val="lt1"/>
+          </a:fontRef>
+        </p:style>
+        <p:txBody>
+          <a:bodyPr rtlCol="0" anchor="ctr"/>
+          <a:lstStyle/>
+          <a:p>
+            <a:pPr algn="ctr"/>
+            <a:endParaRPr lang="zh-TW" altLang="en-US"/>
+          </a:p>
+        </p:txBody>
+      </p:sp>
+      <p:pic>
+        <p:nvPicPr>
+          <p:cNvPr id="5" name="圖形 4" descr="文件 以實心填滿">
+            <a:extLst>
+              <a:ext uri="{FF2B5EF4-FFF2-40B4-BE49-F238E27FC236}">
+                <a16:creationId xmlns:a16="http://schemas.microsoft.com/office/drawing/2014/main" id="{F558BFCF-95C1-4AAB-BD96-B3DBB1CEC39F}"/>
+              </a:ext>
+            </a:extLst>
+          </p:cNvPr>
+          <p:cNvPicPr>
+            <a:picLocks noChangeAspect="1"/>
+          </p:cNvPicPr>
+          <p:nvPr/>
+        </p:nvPicPr>
+        <p:blipFill>
+          <a:blip r:embed="rId4">
+            <a:extLst>
+              <a:ext uri="{28A0092B-C50C-407E-A947-70E740481C1C}">
+                <a14:useLocalDpi xmlns:a14="http://schemas.microsoft.com/office/drawing/2010/main" val="0"/>
+              </a:ext>
+              <a:ext uri="{96DAC541-7B7A-43D3-8B79-37D633B846F1}">
+                <asvg:svgBlip xmlns:asvg="http://schemas.microsoft.com/office/drawing/2016/SVG/main" r:embed="rId5"/>
+              </a:ext>
+            </a:extLst>
+          </a:blip>
+          <a:stretch>
+            <a:fillRect/>
+          </a:stretch>
+        </p:blipFill>
+        <p:spPr>
+          <a:xfrm>
+            <a:off x="6472310" y="6037473"/>
+            <a:ext cx="419644" cy="419644"/>
+          </a:xfrm>
+          <a:prstGeom prst="rect">
+            <a:avLst/>
+          </a:prstGeom>
+        </p:spPr>
+      </p:pic>
+      <p:pic>
+        <p:nvPicPr>
+          <p:cNvPr id="3" name="圖形 2" descr="關閉 以實心填滿">
+            <a:extLst>
+              <a:ext uri="{FF2B5EF4-FFF2-40B4-BE49-F238E27FC236}">
+                <a16:creationId xmlns:a16="http://schemas.microsoft.com/office/drawing/2014/main" id="{1BF2AD9E-8171-4721-B624-43F426A44B50}"/>
+              </a:ext>
+            </a:extLst>
+          </p:cNvPr>
+          <p:cNvPicPr>
+            <a:picLocks noChangeAspect="1"/>
+          </p:cNvPicPr>
+          <p:nvPr/>
+        </p:nvPicPr>
+        <p:blipFill>
+          <a:blip r:embed="rId6">
+            <a:extLst>
+              <a:ext uri="{28A0092B-C50C-407E-A947-70E740481C1C}">
+                <a14:useLocalDpi xmlns:a14="http://schemas.microsoft.com/office/drawing/2010/main" val="0"/>
+              </a:ext>
+              <a:ext uri="{96DAC541-7B7A-43D3-8B79-37D633B846F1}">
+                <asvg:svgBlip xmlns:asvg="http://schemas.microsoft.com/office/drawing/2016/SVG/main" r:embed="rId7"/>
+              </a:ext>
+            </a:extLst>
+          </a:blip>
+          <a:stretch>
+            <a:fillRect/>
+          </a:stretch>
+        </p:blipFill>
+        <p:spPr>
+          <a:xfrm>
+            <a:off x="1958601" y="6094001"/>
+            <a:ext cx="375385" cy="375385"/>
+          </a:xfrm>
+          <a:prstGeom prst="rect">
+            <a:avLst/>
+          </a:prstGeom>
+        </p:spPr>
+      </p:pic>
     </p:spTree>
     <p:extLst>
       <p:ext uri="{BB962C8B-B14F-4D97-AF65-F5344CB8AC3E}">
